--- a/poster/2024 eCTF Poster - UB.pptx
+++ b/poster/2024 eCTF Poster - UB.pptx
@@ -7349,78 +7349,12 @@
       </p:grpSp>
       <p:pic>
         <p:nvPicPr>
-          <p:cNvPr id="77" name="Picture 76"/>
-          <p:cNvPicPr/>
-          <p:nvPr/>
-        </p:nvPicPr>
-        <p:blipFill>
-          <a:blip r:embed="rId7">
-            <a:extLst>
-              <a:ext uri="{28A0092B-C50C-407E-A947-70E740481C1C}">
-                <a14:useLocalDpi xmlns:a14="http://schemas.microsoft.com/office/drawing/2010/main" val="0"/>
-              </a:ext>
-              <a:ext uri="{96DAC541-7B7A-43D3-8B79-37D633B846F1}">
-                <asvg:svgBlip xmlns:asvg="http://schemas.microsoft.com/office/drawing/2016/SVG/main" r:embed="rId8"/>
-              </a:ext>
-            </a:extLst>
-          </a:blip>
-          <a:srcRect/>
-          <a:stretch/>
-        </p:blipFill>
-        <p:spPr>
-          <a:xfrm>
-            <a:off x="2070191" y="12791473"/>
-            <a:ext cx="4390200" cy="2863173"/>
-          </a:xfrm>
-          <a:prstGeom prst="rect">
-            <a:avLst/>
-          </a:prstGeom>
-          <a:ln w="0">
-            <a:noFill/>
-          </a:ln>
-        </p:spPr>
-      </p:pic>
-      <p:pic>
-        <p:nvPicPr>
-          <p:cNvPr id="78" name="Picture 77"/>
-          <p:cNvPicPr/>
-          <p:nvPr/>
-        </p:nvPicPr>
-        <p:blipFill>
-          <a:blip r:embed="rId9">
-            <a:extLst>
-              <a:ext uri="{28A0092B-C50C-407E-A947-70E740481C1C}">
-                <a14:useLocalDpi xmlns:a14="http://schemas.microsoft.com/office/drawing/2010/main" val="0"/>
-              </a:ext>
-              <a:ext uri="{96DAC541-7B7A-43D3-8B79-37D633B846F1}">
-                <asvg:svgBlip xmlns:asvg="http://schemas.microsoft.com/office/drawing/2016/SVG/main" r:embed="rId10"/>
-              </a:ext>
-            </a:extLst>
-          </a:blip>
-          <a:srcRect/>
-          <a:stretch/>
-        </p:blipFill>
-        <p:spPr>
-          <a:xfrm>
-            <a:off x="10203660" y="19197750"/>
-            <a:ext cx="4475880" cy="1614877"/>
-          </a:xfrm>
-          <a:prstGeom prst="rect">
-            <a:avLst/>
-          </a:prstGeom>
-          <a:ln w="0">
-            <a:noFill/>
-          </a:ln>
-        </p:spPr>
-      </p:pic>
-      <p:pic>
-        <p:nvPicPr>
           <p:cNvPr id="79" name="Picture 78"/>
           <p:cNvPicPr/>
           <p:nvPr/>
         </p:nvPicPr>
         <p:blipFill>
-          <a:blip r:embed="rId11"/>
+          <a:blip r:embed="rId7"/>
           <a:stretch/>
         </p:blipFill>
         <p:spPr>
@@ -7443,7 +7377,7 @@
           <p:nvPr/>
         </p:nvPicPr>
         <p:blipFill>
-          <a:blip r:embed="rId12"/>
+          <a:blip r:embed="rId8"/>
           <a:stretch/>
         </p:blipFill>
         <p:spPr>
@@ -7466,7 +7400,7 @@
           <p:nvPr/>
         </p:nvPicPr>
         <p:blipFill>
-          <a:blip r:embed="rId13"/>
+          <a:blip r:embed="rId9"/>
           <a:stretch/>
         </p:blipFill>
         <p:spPr>
@@ -7489,7 +7423,7 @@
           <p:nvPr/>
         </p:nvPicPr>
         <p:blipFill>
-          <a:blip r:embed="rId14"/>
+          <a:blip r:embed="rId10"/>
           <a:stretch/>
         </p:blipFill>
         <p:spPr>
@@ -7512,7 +7446,7 @@
           <p:nvPr/>
         </p:nvPicPr>
         <p:blipFill>
-          <a:blip r:embed="rId15"/>
+          <a:blip r:embed="rId11"/>
           <a:stretch/>
         </p:blipFill>
         <p:spPr>
@@ -7535,7 +7469,7 @@
           <p:nvPr/>
         </p:nvPicPr>
         <p:blipFill>
-          <a:blip r:embed="rId16"/>
+          <a:blip r:embed="rId12"/>
           <a:stretch/>
         </p:blipFill>
         <p:spPr>
@@ -7558,7 +7492,7 @@
           <p:nvPr/>
         </p:nvPicPr>
         <p:blipFill>
-          <a:blip r:embed="rId17"/>
+          <a:blip r:embed="rId13"/>
           <a:stretch/>
         </p:blipFill>
         <p:spPr>
@@ -7581,7 +7515,7 @@
           <p:nvPr/>
         </p:nvPicPr>
         <p:blipFill>
-          <a:blip r:embed="rId18"/>
+          <a:blip r:embed="rId14"/>
           <a:stretch/>
         </p:blipFill>
         <p:spPr>
@@ -7728,6 +7662,78 @@
           </a:p>
         </p:txBody>
       </p:sp>
+      <p:pic>
+        <p:nvPicPr>
+          <p:cNvPr id="3" name="Picture 2">
+            <a:extLst>
+              <a:ext uri="{FF2B5EF4-FFF2-40B4-BE49-F238E27FC236}">
+                <a16:creationId xmlns:a16="http://schemas.microsoft.com/office/drawing/2014/main" id="{D43894FA-FECE-668B-0592-C30CCA59EC92}"/>
+              </a:ext>
+            </a:extLst>
+          </p:cNvPr>
+          <p:cNvPicPr>
+            <a:picLocks noChangeAspect="1"/>
+          </p:cNvPicPr>
+          <p:nvPr/>
+        </p:nvPicPr>
+        <p:blipFill>
+          <a:blip r:embed="rId15">
+            <a:extLst>
+              <a:ext uri="{28A0092B-C50C-407E-A947-70E740481C1C}">
+                <a14:useLocalDpi xmlns:a14="http://schemas.microsoft.com/office/drawing/2010/main" val="0"/>
+              </a:ext>
+            </a:extLst>
+          </a:blip>
+          <a:stretch>
+            <a:fillRect/>
+          </a:stretch>
+        </p:blipFill>
+        <p:spPr>
+          <a:xfrm>
+            <a:off x="2070191" y="12739818"/>
+            <a:ext cx="4393716" cy="2863172"/>
+          </a:xfrm>
+          <a:prstGeom prst="rect">
+            <a:avLst/>
+          </a:prstGeom>
+        </p:spPr>
+      </p:pic>
+      <p:pic>
+        <p:nvPicPr>
+          <p:cNvPr id="5" name="Picture 4">
+            <a:extLst>
+              <a:ext uri="{FF2B5EF4-FFF2-40B4-BE49-F238E27FC236}">
+                <a16:creationId xmlns:a16="http://schemas.microsoft.com/office/drawing/2014/main" id="{CE43FB40-64FA-8145-E544-DE31A1D179E1}"/>
+              </a:ext>
+            </a:extLst>
+          </p:cNvPr>
+          <p:cNvPicPr>
+            <a:picLocks noChangeAspect="1"/>
+          </p:cNvPicPr>
+          <p:nvPr/>
+        </p:nvPicPr>
+        <p:blipFill>
+          <a:blip r:embed="rId16">
+            <a:extLst>
+              <a:ext uri="{28A0092B-C50C-407E-A947-70E740481C1C}">
+                <a14:useLocalDpi xmlns:a14="http://schemas.microsoft.com/office/drawing/2010/main" val="0"/>
+              </a:ext>
+            </a:extLst>
+          </a:blip>
+          <a:stretch>
+            <a:fillRect/>
+          </a:stretch>
+        </p:blipFill>
+        <p:spPr>
+          <a:xfrm>
+            <a:off x="10239680" y="19171254"/>
+            <a:ext cx="4485559" cy="1667199"/>
+          </a:xfrm>
+          <a:prstGeom prst="rect">
+            <a:avLst/>
+          </a:prstGeom>
+        </p:spPr>
+      </p:pic>
     </p:spTree>
   </p:cSld>
   <p:clrMapOvr>
